--- a/Project1_Presentation.pptx
+++ b/Project1_Presentation.pptx
@@ -5,7 +5,7 @@
     <p:sldMasterId id="2147483648" r:id="rId1"/>
   </p:sldMasterIdLst>
   <p:notesMasterIdLst>
-    <p:notesMasterId r:id="rId18"/>
+    <p:notesMasterId r:id="rId19"/>
   </p:notesMasterIdLst>
   <p:sldIdLst>
     <p:sldId id="256" r:id="rId2"/>
@@ -17,13 +17,14 @@
     <p:sldId id="264" r:id="rId8"/>
     <p:sldId id="265" r:id="rId9"/>
     <p:sldId id="266" r:id="rId10"/>
-    <p:sldId id="268" r:id="rId11"/>
-    <p:sldId id="269" r:id="rId12"/>
-    <p:sldId id="270" r:id="rId13"/>
-    <p:sldId id="273" r:id="rId14"/>
-    <p:sldId id="271" r:id="rId15"/>
-    <p:sldId id="272" r:id="rId16"/>
-    <p:sldId id="274" r:id="rId17"/>
+    <p:sldId id="275" r:id="rId11"/>
+    <p:sldId id="268" r:id="rId12"/>
+    <p:sldId id="269" r:id="rId13"/>
+    <p:sldId id="270" r:id="rId14"/>
+    <p:sldId id="273" r:id="rId15"/>
+    <p:sldId id="271" r:id="rId16"/>
+    <p:sldId id="272" r:id="rId17"/>
+    <p:sldId id="274" r:id="rId18"/>
   </p:sldIdLst>
   <p:sldSz cx="12192000" cy="6858000"/>
   <p:notesSz cx="6858000" cy="9144000"/>
@@ -122,6 +123,11 @@
       </a:defRPr>
     </a:lvl9pPr>
   </p:defaultTextStyle>
+  <p:extLst>
+    <p:ext uri="{EFAFB233-063F-42B5-8137-9DF3F51BA10A}">
+      <p15:sldGuideLst xmlns:p15="http://schemas.microsoft.com/office/powerpoint/2012/main"/>
+    </p:ext>
+  </p:extLst>
 </p:presentation>
 </file>
 
@@ -11193,6 +11199,242 @@
           <a:chExt cx="0" cy="0"/>
         </a:xfrm>
       </p:grpSpPr>
+      <p:pic>
+        <p:nvPicPr>
+          <p:cNvPr id="7" name="Picture 6" descr="A drawing of a face&#10;&#10;Description automatically generated">
+            <a:extLst>
+              <a:ext uri="{FF2B5EF4-FFF2-40B4-BE49-F238E27FC236}">
+                <a16:creationId xmlns:a16="http://schemas.microsoft.com/office/drawing/2014/main" id="{59E3AE50-F458-BC46-9975-3F1EFDE76DD0}"/>
+              </a:ext>
+            </a:extLst>
+          </p:cNvPr>
+          <p:cNvPicPr>
+            <a:picLocks noChangeAspect="1"/>
+          </p:cNvPicPr>
+          <p:nvPr/>
+        </p:nvPicPr>
+        <p:blipFill rotWithShape="1">
+          <a:blip r:embed="rId2">
+            <a:alphaModFix/>
+          </a:blip>
+          <a:srcRect l="9549" r="3219" b="2"/>
+          <a:stretch/>
+        </p:blipFill>
+        <p:spPr>
+          <a:xfrm>
+            <a:off x="6083786" y="-168318"/>
+            <a:ext cx="6261330" cy="3932313"/>
+          </a:xfrm>
+          <a:prstGeom prst="rect">
+            <a:avLst/>
+          </a:prstGeom>
+          <a:effectLst>
+            <a:softEdge rad="533400"/>
+          </a:effectLst>
+        </p:spPr>
+      </p:pic>
+      <p:pic>
+        <p:nvPicPr>
+          <p:cNvPr id="5" name="Picture 4" descr="A picture containing book&#10;&#10;Description automatically generated">
+            <a:extLst>
+              <a:ext uri="{FF2B5EF4-FFF2-40B4-BE49-F238E27FC236}">
+                <a16:creationId xmlns:a16="http://schemas.microsoft.com/office/drawing/2014/main" id="{34D1027F-1D60-8C46-9118-8CE5C6778EFE}"/>
+              </a:ext>
+            </a:extLst>
+          </p:cNvPr>
+          <p:cNvPicPr>
+            <a:picLocks noChangeAspect="1"/>
+          </p:cNvPicPr>
+          <p:nvPr/>
+        </p:nvPicPr>
+        <p:blipFill rotWithShape="1">
+          <a:blip r:embed="rId3"/>
+          <a:srcRect l="9375" r="23447" b="-2"/>
+          <a:stretch/>
+        </p:blipFill>
+        <p:spPr>
+          <a:xfrm>
+            <a:off x="6089904" y="2487168"/>
+            <a:ext cx="6263640" cy="4215384"/>
+          </a:xfrm>
+          <a:prstGeom prst="rect">
+            <a:avLst/>
+          </a:prstGeom>
+          <a:effectLst>
+            <a:softEdge rad="533400"/>
+          </a:effectLst>
+        </p:spPr>
+      </p:pic>
+      <p:pic>
+        <p:nvPicPr>
+          <p:cNvPr id="12" name="Picture 11">
+            <a:extLst>
+              <a:ext uri="{FF2B5EF4-FFF2-40B4-BE49-F238E27FC236}">
+                <a16:creationId xmlns:a16="http://schemas.microsoft.com/office/drawing/2014/main" id="{22901FED-4FC9-4ED5-8123-C98BCD1616BA}"/>
+              </a:ext>
+              <a:ext uri="{C183D7F6-B498-43B3-948B-1728B52AA6E4}">
+                <adec:decorative xmlns:adec="http://schemas.microsoft.com/office/drawing/2017/decorative" val="1"/>
+              </a:ext>
+            </a:extLst>
+          </p:cNvPr>
+          <p:cNvPicPr>
+            <a:picLocks noGrp="1" noRot="1" noChangeAspect="1" noMove="1" noResize="1" noEditPoints="1" noAdjustHandles="1" noChangeArrowheads="1" noChangeShapeType="1" noCrop="1"/>
+          </p:cNvPicPr>
+          <p:nvPr>
+            <p:extLst>
+              <p:ext uri="{386F3935-93C4-4BCD-93E2-E3B085C9AB24}">
+                <p16:designElem xmlns:p16="http://schemas.microsoft.com/office/powerpoint/2015/main" val="1"/>
+              </p:ext>
+            </p:extLst>
+          </p:nvPr>
+        </p:nvPicPr>
+        <p:blipFill>
+          <a:blip r:embed="rId4">
+            <a:extLst>
+              <a:ext uri="{28A0092B-C50C-407E-A947-70E740481C1C}">
+                <a14:useLocalDpi xmlns:a14="http://schemas.microsoft.com/office/drawing/2010/main" val="0"/>
+              </a:ext>
+            </a:extLst>
+          </a:blip>
+          <a:stretch>
+            <a:fillRect/>
+          </a:stretch>
+        </p:blipFill>
+        <p:spPr>
+          <a:xfrm>
+            <a:off x="0" y="0"/>
+            <a:ext cx="12192000" cy="6858000"/>
+          </a:xfrm>
+          <a:prstGeom prst="rect">
+            <a:avLst/>
+          </a:prstGeom>
+        </p:spPr>
+      </p:pic>
+      <p:sp>
+        <p:nvSpPr>
+          <p:cNvPr id="2" name="Title 1">
+            <a:extLst>
+              <a:ext uri="{FF2B5EF4-FFF2-40B4-BE49-F238E27FC236}">
+                <a16:creationId xmlns:a16="http://schemas.microsoft.com/office/drawing/2014/main" id="{F1431227-820E-4C43-9BE4-2377EBD96C5A}"/>
+              </a:ext>
+            </a:extLst>
+          </p:cNvPr>
+          <p:cNvSpPr>
+            <a:spLocks noGrp="1"/>
+          </p:cNvSpPr>
+          <p:nvPr>
+            <p:ph type="title"/>
+          </p:nvPr>
+        </p:nvSpPr>
+        <p:spPr>
+          <a:xfrm>
+            <a:off x="804998" y="798445"/>
+            <a:ext cx="4803636" cy="1311664"/>
+          </a:xfrm>
+        </p:spPr>
+        <p:txBody>
+          <a:bodyPr vert="horz" lIns="91440" tIns="45720" rIns="91440" bIns="45720" rtlCol="0" anchor="ctr">
+            <a:normAutofit/>
+          </a:bodyPr>
+          <a:lstStyle/>
+          <a:p>
+            <a:pPr>
+              <a:spcBef>
+                <a:spcPct val="0"/>
+              </a:spcBef>
+            </a:pPr>
+            <a:r>
+              <a:rPr lang="en-US" sz="4000" kern="1200">
+                <a:solidFill>
+                  <a:srgbClr val="000000"/>
+                </a:solidFill>
+                <a:latin typeface="+mj-lt"/>
+                <a:ea typeface="+mj-ea"/>
+                <a:cs typeface="+mj-cs"/>
+              </a:rPr>
+              <a:t>Rent vs. Crime Rate by Zip Code</a:t>
+            </a:r>
+          </a:p>
+        </p:txBody>
+      </p:sp>
+      <p:sp>
+        <p:nvSpPr>
+          <p:cNvPr id="3" name="Text Placeholder 2">
+            <a:extLst>
+              <a:ext uri="{FF2B5EF4-FFF2-40B4-BE49-F238E27FC236}">
+                <a16:creationId xmlns:a16="http://schemas.microsoft.com/office/drawing/2014/main" id="{EAEC718C-C839-2B4B-887F-0DC1D40944C9}"/>
+              </a:ext>
+            </a:extLst>
+          </p:cNvPr>
+          <p:cNvSpPr>
+            <a:spLocks noGrp="1"/>
+          </p:cNvSpPr>
+          <p:nvPr>
+            <p:ph type="body" idx="1"/>
+          </p:nvPr>
+        </p:nvSpPr>
+        <p:spPr>
+          <a:xfrm>
+            <a:off x="804997" y="2272143"/>
+            <a:ext cx="4803637" cy="3788830"/>
+          </a:xfrm>
+        </p:spPr>
+        <p:txBody>
+          <a:bodyPr vert="horz" lIns="91440" tIns="45720" rIns="91440" bIns="45720" rtlCol="0" anchor="ctr">
+            <a:normAutofit/>
+          </a:bodyPr>
+          <a:lstStyle/>
+          <a:p>
+            <a:pPr indent="-228600">
+              <a:buFont typeface="Arial" panose="020B0604020202020204" pitchFamily="34" charset="0"/>
+              <a:buChar char="•"/>
+            </a:pPr>
+            <a:endParaRPr lang="en-US" sz="2000" dirty="0">
+              <a:solidFill>
+                <a:srgbClr val="000000"/>
+              </a:solidFill>
+            </a:endParaRPr>
+          </a:p>
+        </p:txBody>
+      </p:sp>
+    </p:spTree>
+    <p:extLst>
+      <p:ext uri="{BB962C8B-B14F-4D97-AF65-F5344CB8AC3E}">
+        <p14:creationId xmlns:p14="http://schemas.microsoft.com/office/powerpoint/2010/main" val="2691067942"/>
+      </p:ext>
+    </p:extLst>
+  </p:cSld>
+  <p:clrMapOvr>
+    <a:masterClrMapping/>
+  </p:clrMapOvr>
+</p:sld>
+</file>
+
+<file path=ppt/slides/slide11.xml><?xml version="1.0" encoding="utf-8"?>
+<p:sld xmlns:a="http://schemas.openxmlformats.org/drawingml/2006/main" xmlns:r="http://schemas.openxmlformats.org/officeDocument/2006/relationships" xmlns:p="http://schemas.openxmlformats.org/presentationml/2006/main">
+  <p:cSld>
+    <p:bg>
+      <p:bgPr>
+        <a:solidFill>
+          <a:schemeClr val="bg1"/>
+        </a:solidFill>
+        <a:effectLst/>
+      </p:bgPr>
+    </p:bg>
+    <p:spTree>
+      <p:nvGrpSpPr>
+        <p:cNvPr id="1" name=""/>
+        <p:cNvGrpSpPr/>
+        <p:nvPr/>
+      </p:nvGrpSpPr>
+      <p:grpSpPr>
+        <a:xfrm>
+          <a:off x="0" y="0"/>
+          <a:ext cx="0" cy="0"/>
+          <a:chOff x="0" y="0"/>
+          <a:chExt cx="0" cy="0"/>
+        </a:xfrm>
+      </p:grpSpPr>
       <p:sp>
         <p:nvSpPr>
           <p:cNvPr id="68" name="Rectangle 67">
@@ -12206,7 +12448,7 @@
 </p:sld>
 </file>
 
-<file path=ppt/slides/slide11.xml><?xml version="1.0" encoding="utf-8"?>
+<file path=ppt/slides/slide12.xml><?xml version="1.0" encoding="utf-8"?>
 <p:sld xmlns:a="http://schemas.openxmlformats.org/drawingml/2006/main" xmlns:r="http://schemas.openxmlformats.org/officeDocument/2006/relationships" xmlns:p="http://schemas.openxmlformats.org/presentationml/2006/main">
   <p:cSld>
     <p:bg>
@@ -12768,7 +13010,7 @@
 </p:sld>
 </file>
 
-<file path=ppt/slides/slide12.xml><?xml version="1.0" encoding="utf-8"?>
+<file path=ppt/slides/slide13.xml><?xml version="1.0" encoding="utf-8"?>
 <p:sld xmlns:a="http://schemas.openxmlformats.org/drawingml/2006/main" xmlns:r="http://schemas.openxmlformats.org/officeDocument/2006/relationships" xmlns:p="http://schemas.openxmlformats.org/presentationml/2006/main">
   <p:cSld>
     <p:bg>
@@ -12968,7 +13210,7 @@
 </p:sld>
 </file>
 
-<file path=ppt/slides/slide13.xml><?xml version="1.0" encoding="utf-8"?>
+<file path=ppt/slides/slide14.xml><?xml version="1.0" encoding="utf-8"?>
 <p:sld xmlns:a="http://schemas.openxmlformats.org/drawingml/2006/main" xmlns:r="http://schemas.openxmlformats.org/officeDocument/2006/relationships" xmlns:p="http://schemas.openxmlformats.org/presentationml/2006/main">
   <p:cSld>
     <p:bg>
@@ -13011,8 +13253,8 @@
         </p:nvSpPr>
         <p:spPr>
           <a:xfrm>
-            <a:off x="5116878" y="629266"/>
-            <a:ext cx="6422849" cy="1676603"/>
+            <a:off x="4956048" y="668364"/>
+            <a:ext cx="6422848" cy="726005"/>
           </a:xfrm>
         </p:spPr>
         <p:txBody>
@@ -13027,12 +13269,12 @@
               </a:spcBef>
             </a:pPr>
             <a:r>
-              <a:rPr lang="en-US" sz="4400">
+              <a:rPr lang="en-US" sz="3200" dirty="0">
                 <a:solidFill>
                   <a:schemeClr val="tx1"/>
                 </a:solidFill>
               </a:rPr>
-              <a:t>Rent vs. Airbnb by Zip Code</a:t>
+              <a:t>Rent vs. Airbnb Review by Zip Code</a:t>
             </a:r>
           </a:p>
         </p:txBody>
@@ -13253,8 +13495,8 @@
         </p:nvSpPr>
         <p:spPr>
           <a:xfrm>
-            <a:off x="5116880" y="2438400"/>
-            <a:ext cx="6422848" cy="3785419"/>
+            <a:off x="4956047" y="1394369"/>
+            <a:ext cx="6555595" cy="1495475"/>
           </a:xfrm>
         </p:spPr>
         <p:txBody>
@@ -13271,6 +13513,36 @@
           </a:p>
         </p:txBody>
       </p:sp>
+      <p:pic>
+        <p:nvPicPr>
+          <p:cNvPr id="6" name="Picture 5" descr="A screenshot of a cell phone&#10;&#10;Description automatically generated">
+            <a:extLst>
+              <a:ext uri="{FF2B5EF4-FFF2-40B4-BE49-F238E27FC236}">
+                <a16:creationId xmlns:a16="http://schemas.microsoft.com/office/drawing/2014/main" id="{B4099825-D3E9-354C-90E6-013FCD117E27}"/>
+              </a:ext>
+            </a:extLst>
+          </p:cNvPr>
+          <p:cNvPicPr>
+            <a:picLocks noChangeAspect="1"/>
+          </p:cNvPicPr>
+          <p:nvPr/>
+        </p:nvPicPr>
+        <p:blipFill>
+          <a:blip r:embed="rId4"/>
+          <a:stretch>
+            <a:fillRect/>
+          </a:stretch>
+        </p:blipFill>
+        <p:spPr>
+          <a:xfrm>
+            <a:off x="5436108" y="3045474"/>
+            <a:ext cx="5130800" cy="3581400"/>
+          </a:xfrm>
+          <a:prstGeom prst="rect">
+            <a:avLst/>
+          </a:prstGeom>
+        </p:spPr>
+      </p:pic>
     </p:spTree>
     <p:extLst>
       <p:ext uri="{BB962C8B-B14F-4D97-AF65-F5344CB8AC3E}">
@@ -13284,7 +13556,7 @@
 </p:sld>
 </file>
 
-<file path=ppt/slides/slide14.xml><?xml version="1.0" encoding="utf-8"?>
+<file path=ppt/slides/slide15.xml><?xml version="1.0" encoding="utf-8"?>
 <p:sld xmlns:a="http://schemas.openxmlformats.org/drawingml/2006/main" xmlns:r="http://schemas.openxmlformats.org/officeDocument/2006/relationships" xmlns:p="http://schemas.openxmlformats.org/presentationml/2006/main">
   <p:cSld>
     <p:spTree>
@@ -13367,7 +13639,7 @@
 </p:sld>
 </file>
 
-<file path=ppt/slides/slide15.xml><?xml version="1.0" encoding="utf-8"?>
+<file path=ppt/slides/slide16.xml><?xml version="1.0" encoding="utf-8"?>
 <p:sld xmlns:a="http://schemas.openxmlformats.org/drawingml/2006/main" xmlns:r="http://schemas.openxmlformats.org/officeDocument/2006/relationships" xmlns:p="http://schemas.openxmlformats.org/presentationml/2006/main">
   <p:cSld>
     <p:spTree>
@@ -13453,7 +13725,7 @@
 </p:sld>
 </file>
 
-<file path=ppt/slides/slide16.xml><?xml version="1.0" encoding="utf-8"?>
+<file path=ppt/slides/slide17.xml><?xml version="1.0" encoding="utf-8"?>
 <p:sld xmlns:a="http://schemas.openxmlformats.org/drawingml/2006/main" xmlns:r="http://schemas.openxmlformats.org/officeDocument/2006/relationships" xmlns:p="http://schemas.openxmlformats.org/presentationml/2006/main">
   <p:cSld>
     <p:bg>
@@ -15243,7 +15515,10 @@
               <a:buFont typeface="Arial" panose="020B0604020202020204" pitchFamily="34" charset="0"/>
               <a:buChar char="•"/>
             </a:pPr>
-            <a:endParaRPr lang="en-US" sz="2000" dirty="0"/>
+            <a:r>
+              <a:rPr lang="en-US" sz="2000" dirty="0"/>
+              <a:t>There are factors affecting the house prices in Chicago. </a:t>
+            </a:r>
           </a:p>
         </p:txBody>
       </p:sp>
@@ -15400,13 +15675,13 @@
         </p:nvSpPr>
         <p:spPr>
           <a:xfrm>
-            <a:off x="4965430" y="629266"/>
-            <a:ext cx="6586491" cy="1676603"/>
+            <a:off x="4635591" y="634181"/>
+            <a:ext cx="7235280" cy="802733"/>
           </a:xfrm>
         </p:spPr>
         <p:txBody>
           <a:bodyPr vert="horz" lIns="91440" tIns="45720" rIns="91440" bIns="45720" rtlCol="0" anchor="ctr">
-            <a:normAutofit/>
+            <a:noAutofit/>
           </a:bodyPr>
           <a:lstStyle/>
           <a:p>
@@ -15416,7 +15691,7 @@
               </a:spcBef>
             </a:pPr>
             <a:r>
-              <a:rPr lang="en-US" sz="4400">
+              <a:rPr lang="en-US" sz="3200" dirty="0">
                 <a:solidFill>
                   <a:schemeClr val="tx1"/>
                 </a:solidFill>
@@ -15474,8 +15749,8 @@
         </p:nvSpPr>
         <p:spPr>
           <a:xfrm>
-            <a:off x="4965431" y="2438400"/>
-            <a:ext cx="6586489" cy="3785419"/>
+            <a:off x="4816435" y="1436915"/>
+            <a:ext cx="6613565" cy="1240972"/>
           </a:xfrm>
         </p:spPr>
         <p:txBody>
@@ -15492,6 +15767,36 @@
           </a:p>
         </p:txBody>
       </p:sp>
+      <p:pic>
+        <p:nvPicPr>
+          <p:cNvPr id="6" name="Picture 5" descr="A close up of a map&#10;&#10;Description automatically generated">
+            <a:extLst>
+              <a:ext uri="{FF2B5EF4-FFF2-40B4-BE49-F238E27FC236}">
+                <a16:creationId xmlns:a16="http://schemas.microsoft.com/office/drawing/2014/main" id="{38AFC8E7-9C50-E64C-80C4-D0A1A3F69D35}"/>
+              </a:ext>
+            </a:extLst>
+          </p:cNvPr>
+          <p:cNvPicPr>
+            <a:picLocks noChangeAspect="1"/>
+          </p:cNvPicPr>
+          <p:nvPr/>
+        </p:nvPicPr>
+        <p:blipFill>
+          <a:blip r:embed="rId3"/>
+          <a:stretch>
+            <a:fillRect/>
+          </a:stretch>
+        </p:blipFill>
+        <p:spPr>
+          <a:xfrm>
+            <a:off x="5067076" y="2881290"/>
+            <a:ext cx="5403214" cy="3799766"/>
+          </a:xfrm>
+          <a:prstGeom prst="rect">
+            <a:avLst/>
+          </a:prstGeom>
+        </p:spPr>
+      </p:pic>
     </p:spTree>
     <p:extLst>
       <p:ext uri="{BB962C8B-B14F-4D97-AF65-F5344CB8AC3E}">
@@ -15679,13 +15984,13 @@
         </p:nvSpPr>
         <p:spPr>
           <a:xfrm>
-            <a:off x="6094105" y="802955"/>
-            <a:ext cx="4977976" cy="1454051"/>
+            <a:off x="4838040" y="188813"/>
+            <a:ext cx="6983845" cy="1117512"/>
           </a:xfrm>
         </p:spPr>
         <p:txBody>
           <a:bodyPr vert="horz" lIns="91440" tIns="45720" rIns="91440" bIns="45720" rtlCol="0" anchor="ctr">
-            <a:normAutofit/>
+            <a:noAutofit/>
           </a:bodyPr>
           <a:lstStyle/>
           <a:p>
@@ -15695,7 +16000,7 @@
               </a:spcBef>
             </a:pPr>
             <a:r>
-              <a:rPr lang="en-US" sz="4400">
+              <a:rPr lang="en-US" sz="3200" dirty="0">
                 <a:solidFill>
                   <a:srgbClr val="000000"/>
                 </a:solidFill>
@@ -15988,8 +16293,8 @@
         </p:nvSpPr>
         <p:spPr>
           <a:xfrm>
-            <a:off x="6090574" y="2421682"/>
-            <a:ext cx="4977578" cy="3639289"/>
+            <a:off x="5562361" y="907231"/>
+            <a:ext cx="5671695" cy="1493069"/>
           </a:xfrm>
         </p:spPr>
         <p:txBody>
@@ -16002,14 +16307,47 @@
               <a:buFont typeface="Arial" panose="020B0604020202020204" pitchFamily="34" charset="0"/>
               <a:buChar char="•"/>
             </a:pPr>
-            <a:endParaRPr lang="en-US" sz="2000">
-              <a:solidFill>
-                <a:srgbClr val="000000"/>
-              </a:solidFill>
-            </a:endParaRPr>
+            <a:r>
+              <a:rPr lang="en-US" sz="2000" dirty="0">
+                <a:solidFill>
+                  <a:srgbClr val="000000"/>
+                </a:solidFill>
+              </a:rPr>
+              <a:t>Correlation coefficient = </a:t>
+            </a:r>
           </a:p>
         </p:txBody>
       </p:sp>
+      <p:pic>
+        <p:nvPicPr>
+          <p:cNvPr id="6" name="Picture 5" descr="A screenshot of a cell phone&#10;&#10;Description automatically generated">
+            <a:extLst>
+              <a:ext uri="{FF2B5EF4-FFF2-40B4-BE49-F238E27FC236}">
+                <a16:creationId xmlns:a16="http://schemas.microsoft.com/office/drawing/2014/main" id="{07845DC8-1410-C54D-A406-B6C7E6D5BC1E}"/>
+              </a:ext>
+            </a:extLst>
+          </p:cNvPr>
+          <p:cNvPicPr>
+            <a:picLocks noChangeAspect="1"/>
+          </p:cNvPicPr>
+          <p:nvPr/>
+        </p:nvPicPr>
+        <p:blipFill>
+          <a:blip r:embed="rId4"/>
+          <a:stretch>
+            <a:fillRect/>
+          </a:stretch>
+        </p:blipFill>
+        <p:spPr>
+          <a:xfrm>
+            <a:off x="5263677" y="2680614"/>
+            <a:ext cx="5671694" cy="3988573"/>
+          </a:xfrm>
+          <a:prstGeom prst="rect">
+            <a:avLst/>
+          </a:prstGeom>
+        </p:spPr>
+      </p:pic>
     </p:spTree>
     <p:extLst>
       <p:ext uri="{BB962C8B-B14F-4D97-AF65-F5344CB8AC3E}">
@@ -16082,7 +16420,7 @@
               </a:spcBef>
             </a:pPr>
             <a:r>
-              <a:rPr lang="en-US" sz="4100">
+              <a:rPr lang="en-US" sz="4100" dirty="0">
                 <a:solidFill>
                   <a:schemeClr val="tx1"/>
                 </a:solidFill>
